--- a/swap.pptx
+++ b/swap.pptx
@@ -12456,29 +12456,7 @@
                     <a:uLnTx/>
                     <a:uFillTx/>
                   </a:rPr>
-                  <a:t>UPDATED: August </a:t>
-                </a:r>
-                <a:r>
-                  <a:rPr kumimoji="1" lang="en-US" altLang="zh-CN" b="1" dirty="0">
-                    <a:solidFill>
-                      <a:srgbClr val="1C507C"/>
-                    </a:solidFill>
-                  </a:rPr>
-                  <a:t>19</a:t>
-                </a:r>
-                <a:r>
-                  <a:rPr kumimoji="1" lang="en-US" altLang="zh-CN" sz="1800" b="1" i="0" u="none" strike="noStrike" kern="0" cap="none" spc="0" normalizeH="0" baseline="0" noProof="0" dirty="0">
-                    <a:ln>
-                      <a:noFill/>
-                    </a:ln>
-                    <a:solidFill>
-                      <a:srgbClr val="1C507C"/>
-                    </a:solidFill>
-                    <a:effectLst/>
-                    <a:uLnTx/>
-                    <a:uFillTx/>
-                  </a:rPr>
-                  <a:t>, 2025</a:t>
+                  <a:t>August 22, 2025</a:t>
                 </a:r>
                 <a:endParaRPr kumimoji="1" lang="zh-CN" altLang="en-US" sz="1800" b="1" i="0" u="none" strike="noStrike" kern="0" cap="none" spc="0" normalizeH="0" baseline="0" noProof="0" dirty="0">
                   <a:ln>
@@ -19049,7 +19027,7 @@
             </p:nvSpPr>
             <p:spPr>
               <a:xfrm>
-                <a:off x="5637138" y="3143674"/>
+                <a:off x="5646409" y="3096707"/>
                 <a:ext cx="2547324" cy="764568"/>
               </a:xfrm>
               <a:prstGeom prst="rect">
@@ -19343,7 +19321,7 @@
             </p:nvSpPr>
             <p:spPr>
               <a:xfrm>
-                <a:off x="5637138" y="3143674"/>
+                <a:off x="5646409" y="3096707"/>
                 <a:ext cx="2547324" cy="764568"/>
               </a:xfrm>
               <a:prstGeom prst="rect">
@@ -20628,6 +20606,42 @@
           </p:sp>
         </mc:Fallback>
       </mc:AlternateContent>
+      <p:sp>
+        <p:nvSpPr>
+          <p:cNvPr id="4" name="文本框 3">
+            <a:extLst>
+              <a:ext uri="{FF2B5EF4-FFF2-40B4-BE49-F238E27FC236}">
+                <a16:creationId xmlns:a16="http://schemas.microsoft.com/office/drawing/2014/main" id="{823BE8F0-EBA3-F4E4-14D0-7F9A39667899}"/>
+              </a:ext>
+            </a:extLst>
+          </p:cNvPr>
+          <p:cNvSpPr txBox="1"/>
+          <p:nvPr/>
+        </p:nvSpPr>
+        <p:spPr>
+          <a:xfrm>
+            <a:off x="5791200" y="5749984"/>
+            <a:ext cx="2168525" cy="369332"/>
+          </a:xfrm>
+          <a:prstGeom prst="rect">
+            <a:avLst/>
+          </a:prstGeom>
+          <a:noFill/>
+        </p:spPr>
+        <p:txBody>
+          <a:bodyPr wrap="square">
+            <a:spAutoFit/>
+          </a:bodyPr>
+          <a:lstStyle/>
+          <a:p>
+            <a:r>
+              <a:rPr lang="en-US" altLang="zh-CN" dirty="0"/>
+              <a:t>D&lt;=S,P&lt;=(D/n)^n</a:t>
+            </a:r>
+            <a:endParaRPr lang="zh-CN" altLang="en-US" dirty="0"/>
+          </a:p>
+        </p:txBody>
+      </p:sp>
     </p:spTree>
   </p:cSld>
   <p:clrMapOvr>
@@ -22460,7 +22474,7 @@
             </p:nvSpPr>
             <p:spPr>
               <a:xfrm>
-                <a:off x="4114801" y="1125983"/>
+                <a:off x="4343400" y="1300415"/>
                 <a:ext cx="1371600" cy="523541"/>
               </a:xfrm>
               <a:prstGeom prst="rect">
@@ -22561,11 +22575,7 @@
                 </a14:m>
                 <a:r>
                   <a:rPr lang="en-US" altLang="zh-CN" dirty="0"/>
-                  <a:t>=</a:t>
-                </a:r>
-                <a:r>
-                  <a:rPr lang="en-US" altLang="zh-CN" dirty="0" err="1"/>
-                  <a:t>Dp</a:t>
+                  <a:t>=Dp</a:t>
                 </a:r>
                 <a:endParaRPr lang="zh-CN" altLang="en-US" dirty="0"/>
               </a:p>
@@ -22589,7 +22599,7 @@
             </p:nvSpPr>
             <p:spPr>
               <a:xfrm>
-                <a:off x="4114801" y="1125983"/>
+                <a:off x="4343400" y="1300415"/>
                 <a:ext cx="1371600" cy="523541"/>
               </a:xfrm>
               <a:prstGeom prst="rect">
@@ -25936,6 +25946,60 @@
           </a:p>
         </p:txBody>
       </p:sp>
+      <p:sp>
+        <p:nvSpPr>
+          <p:cNvPr id="4" name="文本框 3">
+            <a:extLst>
+              <a:ext uri="{FF2B5EF4-FFF2-40B4-BE49-F238E27FC236}">
+                <a16:creationId xmlns:a16="http://schemas.microsoft.com/office/drawing/2014/main" id="{EFB13D89-9CF3-CD28-36AB-107059471C17}"/>
+              </a:ext>
+            </a:extLst>
+          </p:cNvPr>
+          <p:cNvSpPr txBox="1"/>
+          <p:nvPr/>
+        </p:nvSpPr>
+        <p:spPr>
+          <a:xfrm>
+            <a:off x="7391400" y="994979"/>
+            <a:ext cx="2590800" cy="1477328"/>
+          </a:xfrm>
+          <a:prstGeom prst="rect">
+            <a:avLst/>
+          </a:prstGeom>
+          <a:noFill/>
+        </p:spPr>
+        <p:txBody>
+          <a:bodyPr wrap="square">
+            <a:spAutoFit/>
+          </a:bodyPr>
+          <a:lstStyle/>
+          <a:p>
+            <a:r>
+              <a:rPr lang="en-US" altLang="zh-CN" dirty="0"/>
+              <a:t>Unit Testing</a:t>
+            </a:r>
+          </a:p>
+          <a:p>
+            <a:endParaRPr lang="en-US" altLang="zh-CN" dirty="0"/>
+          </a:p>
+          <a:p>
+            <a:r>
+              <a:rPr lang="en-US" altLang="zh-CN" dirty="0"/>
+              <a:t>Integration Testing</a:t>
+            </a:r>
+          </a:p>
+          <a:p>
+            <a:endParaRPr lang="en-US" altLang="zh-CN" dirty="0"/>
+          </a:p>
+          <a:p>
+            <a:r>
+              <a:rPr lang="en-US" altLang="zh-CN" dirty="0"/>
+              <a:t>System Testing</a:t>
+            </a:r>
+            <a:endParaRPr lang="zh-CN" altLang="en-US" dirty="0"/>
+          </a:p>
+        </p:txBody>
+      </p:sp>
     </p:spTree>
   </p:cSld>
   <p:clrMapOvr>
@@ -25973,87 +26037,6 @@
           <a:chExt cx="0" cy="0"/>
         </a:xfrm>
       </p:grpSpPr>
-      <p:sp>
-        <p:nvSpPr>
-          <p:cNvPr id="8" name="圆角矩形 7">
-            <a:extLst>
-              <a:ext uri="{FF2B5EF4-FFF2-40B4-BE49-F238E27FC236}">
-                <a16:creationId xmlns:a16="http://schemas.microsoft.com/office/drawing/2014/main" id="{0AD5DCE1-33C7-0DF5-7DFC-52B8CD59825B}"/>
-              </a:ext>
-            </a:extLst>
-          </p:cNvPr>
-          <p:cNvSpPr/>
-          <p:nvPr/>
-        </p:nvSpPr>
-        <p:spPr>
-          <a:xfrm>
-            <a:off x="61417" y="979932"/>
-            <a:ext cx="11901983" cy="3744468"/>
-          </a:xfrm>
-          <a:prstGeom prst="roundRect">
-            <a:avLst/>
-          </a:prstGeom>
-          <a:solidFill>
-            <a:schemeClr val="bg1"/>
-          </a:solidFill>
-          <a:ln>
-            <a:noFill/>
-          </a:ln>
-        </p:spPr>
-        <p:style>
-          <a:lnRef idx="2">
-            <a:schemeClr val="accent1">
-              <a:shade val="15000"/>
-            </a:schemeClr>
-          </a:lnRef>
-          <a:fillRef idx="1">
-            <a:schemeClr val="accent1"/>
-          </a:fillRef>
-          <a:effectRef idx="0">
-            <a:schemeClr val="accent1"/>
-          </a:effectRef>
-          <a:fontRef idx="minor">
-            <a:schemeClr val="lt1"/>
-          </a:fontRef>
-        </p:style>
-        <p:txBody>
-          <a:bodyPr rtlCol="0" anchor="ctr"/>
-          <a:lstStyle/>
-          <a:p>
-            <a:pPr marL="0" marR="0" lvl="0" indent="0" algn="ctr" defTabSz="914400" eaLnBrk="1" fontAlgn="auto" latinLnBrk="0" hangingPunct="1">
-              <a:lnSpc>
-                <a:spcPct val="100000"/>
-              </a:lnSpc>
-              <a:spcBef>
-                <a:spcPts val="0"/>
-              </a:spcBef>
-              <a:spcAft>
-                <a:spcPts val="0"/>
-              </a:spcAft>
-              <a:buClrTx/>
-              <a:buSzTx/>
-              <a:buFontTx/>
-              <a:buNone/>
-              <a:tabLst/>
-              <a:defRPr/>
-            </a:pPr>
-            <a:endParaRPr kumimoji="1" lang="zh-CN" altLang="en-US" sz="1800" b="0" i="0" u="none" strike="noStrike" kern="0" cap="none" spc="0" normalizeH="0" baseline="0" noProof="0" dirty="0">
-              <a:ln>
-                <a:noFill/>
-              </a:ln>
-              <a:solidFill>
-                <a:prstClr val="white"/>
-              </a:solidFill>
-              <a:effectLst/>
-              <a:uLnTx/>
-              <a:uFillTx/>
-              <a:latin typeface="Calibri"/>
-              <a:ea typeface="等线" panose="02010600030101010101" pitchFamily="2" charset="-122"/>
-              <a:cs typeface="+mn-cs"/>
-            </a:endParaRPr>
-          </a:p>
-        </p:txBody>
-      </p:sp>
       <p:sp>
         <p:nvSpPr>
           <p:cNvPr id="3" name="object 4"/>
@@ -26706,6 +26689,56 @@
               </a:rPr>
               <a:t>Code Analysis</a:t>
             </a:r>
+          </a:p>
+        </p:txBody>
+      </p:sp>
+      <p:sp>
+        <p:nvSpPr>
+          <p:cNvPr id="4" name="文本框 3">
+            <a:extLst>
+              <a:ext uri="{FF2B5EF4-FFF2-40B4-BE49-F238E27FC236}">
+                <a16:creationId xmlns:a16="http://schemas.microsoft.com/office/drawing/2014/main" id="{60B2A787-1455-3637-1EBB-83637E91DB32}"/>
+              </a:ext>
+            </a:extLst>
+          </p:cNvPr>
+          <p:cNvSpPr txBox="1"/>
+          <p:nvPr/>
+        </p:nvSpPr>
+        <p:spPr>
+          <a:xfrm>
+            <a:off x="304800" y="990600"/>
+            <a:ext cx="8947150" cy="646331"/>
+          </a:xfrm>
+          <a:prstGeom prst="rect">
+            <a:avLst/>
+          </a:prstGeom>
+          <a:noFill/>
+        </p:spPr>
+        <p:txBody>
+          <a:bodyPr wrap="square">
+            <a:spAutoFit/>
+          </a:bodyPr>
+          <a:lstStyle/>
+          <a:p>
+            <a:r>
+              <a:rPr lang="en-US" altLang="zh-CN" dirty="0">
+                <a:hlinkClick r:id="rId6"/>
+              </a:rPr>
+              <a:t>Rust-Developer-Test-Assignment_StableSwap-Implementation/src/lib.rs at main · zeron-G/Rust-Developer-Test-</a:t>
+            </a:r>
+            <a:r>
+              <a:rPr lang="en-US" altLang="zh-CN" dirty="0" err="1">
+                <a:hlinkClick r:id="rId6"/>
+              </a:rPr>
+              <a:t>Assignment_StableSwap</a:t>
+            </a:r>
+            <a:r>
+              <a:rPr lang="en-US" altLang="zh-CN" dirty="0">
+                <a:hlinkClick r:id="rId6"/>
+              </a:rPr>
+              <a:t>-Implementation</a:t>
+            </a:r>
+            <a:endParaRPr lang="zh-CN" altLang="en-US" dirty="0"/>
           </a:p>
         </p:txBody>
       </p:sp>
@@ -27123,98 +27156,6 @@
       </p:pic>
       <p:sp>
         <p:nvSpPr>
-          <p:cNvPr id="1043" name="object 46">
-            <a:extLst>
-              <a:ext uri="{FF2B5EF4-FFF2-40B4-BE49-F238E27FC236}">
-                <a16:creationId xmlns:a16="http://schemas.microsoft.com/office/drawing/2014/main" id="{D692EF4B-D7D4-D290-E26D-AEE79D7FAE94}"/>
-              </a:ext>
-            </a:extLst>
-          </p:cNvPr>
-          <p:cNvSpPr txBox="1"/>
-          <p:nvPr/>
-        </p:nvSpPr>
-        <p:spPr>
-          <a:xfrm>
-            <a:off x="78739" y="6248400"/>
-            <a:ext cx="1283970" cy="193675"/>
-          </a:xfrm>
-          <a:prstGeom prst="rect">
-            <a:avLst/>
-          </a:prstGeom>
-        </p:spPr>
-        <p:txBody>
-          <a:bodyPr vert="horz" wrap="square" lIns="0" tIns="12700" rIns="0" bIns="0" rtlCol="0">
-            <a:spAutoFit/>
-          </a:bodyPr>
-          <a:lstStyle/>
-          <a:p>
-            <a:pPr marL="12700">
-              <a:lnSpc>
-                <a:spcPct val="100000"/>
-              </a:lnSpc>
-              <a:spcBef>
-                <a:spcPts val="100"/>
-              </a:spcBef>
-            </a:pPr>
-            <a:r>
-              <a:rPr sz="1100" i="1" dirty="0">
-                <a:solidFill>
-                  <a:srgbClr val="767070"/>
-                </a:solidFill>
-                <a:latin typeface="Calibri"/>
-                <a:cs typeface="Calibri"/>
-              </a:rPr>
-              <a:t>Source:</a:t>
-            </a:r>
-            <a:r>
-              <a:rPr sz="1100" i="1" spc="-30" dirty="0">
-                <a:solidFill>
-                  <a:srgbClr val="767070"/>
-                </a:solidFill>
-                <a:latin typeface="Calibri"/>
-                <a:cs typeface="Calibri"/>
-              </a:rPr>
-              <a:t> </a:t>
-            </a:r>
-            <a:r>
-              <a:rPr sz="1100" i="1" dirty="0">
-                <a:solidFill>
-                  <a:srgbClr val="767070"/>
-                </a:solidFill>
-                <a:latin typeface="Calibri"/>
-                <a:cs typeface="Calibri"/>
-              </a:rPr>
-              <a:t>Team</a:t>
-            </a:r>
-            <a:r>
-              <a:rPr sz="1100" i="1" spc="-25" dirty="0">
-                <a:solidFill>
-                  <a:srgbClr val="767070"/>
-                </a:solidFill>
-                <a:latin typeface="Calibri"/>
-                <a:cs typeface="Calibri"/>
-              </a:rPr>
-              <a:t> </a:t>
-            </a:r>
-            <a:r>
-              <a:rPr sz="1100" i="1" spc="-10" dirty="0">
-                <a:solidFill>
-                  <a:srgbClr val="767070"/>
-                </a:solidFill>
-                <a:latin typeface="Calibri"/>
-                <a:cs typeface="Calibri"/>
-              </a:rPr>
-              <a:t>Analysis</a:t>
-            </a:r>
-            <a:endParaRPr sz="1100" dirty="0">
-              <a:latin typeface="Calibri"/>
-              <a:cs typeface="Calibri"/>
-            </a:endParaRPr>
-          </a:p>
-        </p:txBody>
-      </p:sp>
-      <p:sp>
-        <p:nvSpPr>
           <p:cNvPr id="5" name="object 20">
             <a:extLst>
               <a:ext uri="{FF2B5EF4-FFF2-40B4-BE49-F238E27FC236}">
@@ -27414,6 +27355,156 @@
           <a:lstStyle/>
           <a:p>
             <a:endParaRPr/>
+          </a:p>
+        </p:txBody>
+      </p:sp>
+      <p:pic>
+        <p:nvPicPr>
+          <p:cNvPr id="2" name="图片 1">
+            <a:extLst>
+              <a:ext uri="{FF2B5EF4-FFF2-40B4-BE49-F238E27FC236}">
+                <a16:creationId xmlns:a16="http://schemas.microsoft.com/office/drawing/2014/main" id="{B977B586-2458-1511-3AF7-CC45CC720153}"/>
+              </a:ext>
+            </a:extLst>
+          </p:cNvPr>
+          <p:cNvPicPr>
+            <a:picLocks noChangeAspect="1"/>
+          </p:cNvPicPr>
+          <p:nvPr/>
+        </p:nvPicPr>
+        <p:blipFill>
+          <a:blip r:embed="rId6"/>
+          <a:stretch>
+            <a:fillRect/>
+          </a:stretch>
+        </p:blipFill>
+        <p:spPr>
+          <a:xfrm>
+            <a:off x="4233" y="1594052"/>
+            <a:ext cx="5700182" cy="3592691"/>
+          </a:xfrm>
+          <a:prstGeom prst="rect">
+            <a:avLst/>
+          </a:prstGeom>
+        </p:spPr>
+      </p:pic>
+      <p:sp>
+        <p:nvSpPr>
+          <p:cNvPr id="6" name="文本框 5">
+            <a:extLst>
+              <a:ext uri="{FF2B5EF4-FFF2-40B4-BE49-F238E27FC236}">
+                <a16:creationId xmlns:a16="http://schemas.microsoft.com/office/drawing/2014/main" id="{FF7358E8-D219-495E-65FB-6605BA6019A7}"/>
+              </a:ext>
+            </a:extLst>
+          </p:cNvPr>
+          <p:cNvSpPr txBox="1"/>
+          <p:nvPr/>
+        </p:nvSpPr>
+        <p:spPr>
+          <a:xfrm>
+            <a:off x="1" y="952137"/>
+            <a:ext cx="4724400" cy="646331"/>
+          </a:xfrm>
+          <a:prstGeom prst="rect">
+            <a:avLst/>
+          </a:prstGeom>
+          <a:noFill/>
+        </p:spPr>
+        <p:txBody>
+          <a:bodyPr wrap="square">
+            <a:spAutoFit/>
+          </a:bodyPr>
+          <a:lstStyle/>
+          <a:p>
+            <a:r>
+              <a:rPr lang="en-US" altLang="zh-CN" dirty="0"/>
+              <a:t>Decoupling will lead to accelerated slippage </a:t>
+            </a:r>
+          </a:p>
+          <a:p>
+            <a:r>
+              <a:rPr lang="en-US" altLang="zh-CN" dirty="0"/>
+              <a:t>and hasten the death spiral</a:t>
+            </a:r>
+            <a:endParaRPr lang="zh-CN" altLang="en-US" dirty="0"/>
+          </a:p>
+        </p:txBody>
+      </p:sp>
+      <p:sp>
+        <p:nvSpPr>
+          <p:cNvPr id="9" name="文本框 8">
+            <a:extLst>
+              <a:ext uri="{FF2B5EF4-FFF2-40B4-BE49-F238E27FC236}">
+                <a16:creationId xmlns:a16="http://schemas.microsoft.com/office/drawing/2014/main" id="{24749A2B-CC80-E8F5-EC88-CA8832F0CF4F}"/>
+              </a:ext>
+            </a:extLst>
+          </p:cNvPr>
+          <p:cNvSpPr txBox="1"/>
+          <p:nvPr/>
+        </p:nvSpPr>
+        <p:spPr>
+          <a:xfrm>
+            <a:off x="61417" y="5595100"/>
+            <a:ext cx="6536266" cy="369332"/>
+          </a:xfrm>
+          <a:prstGeom prst="rect">
+            <a:avLst/>
+          </a:prstGeom>
+          <a:noFill/>
+        </p:spPr>
+        <p:txBody>
+          <a:bodyPr wrap="square">
+            <a:spAutoFit/>
+          </a:bodyPr>
+          <a:lstStyle/>
+          <a:p>
+            <a:r>
+              <a:rPr lang="en-US" altLang="zh-CN" dirty="0"/>
+              <a:t>The current library only supports the dual-token model for now.</a:t>
+            </a:r>
+            <a:endParaRPr lang="zh-CN" altLang="en-US" dirty="0"/>
+          </a:p>
+        </p:txBody>
+      </p:sp>
+      <p:sp>
+        <p:nvSpPr>
+          <p:cNvPr id="11" name="文本框 10">
+            <a:extLst>
+              <a:ext uri="{FF2B5EF4-FFF2-40B4-BE49-F238E27FC236}">
+                <a16:creationId xmlns:a16="http://schemas.microsoft.com/office/drawing/2014/main" id="{9460AC78-68CE-37F8-8987-7A32F89B63C8}"/>
+              </a:ext>
+            </a:extLst>
+          </p:cNvPr>
+          <p:cNvSpPr txBox="1"/>
+          <p:nvPr/>
+        </p:nvSpPr>
+        <p:spPr>
+          <a:xfrm>
+            <a:off x="6248400" y="975207"/>
+            <a:ext cx="8362910" cy="646331"/>
+          </a:xfrm>
+          <a:prstGeom prst="rect">
+            <a:avLst/>
+          </a:prstGeom>
+          <a:noFill/>
+        </p:spPr>
+        <p:txBody>
+          <a:bodyPr wrap="square">
+            <a:spAutoFit/>
+          </a:bodyPr>
+          <a:lstStyle/>
+          <a:p>
+            <a:r>
+              <a:rPr lang="en-US" altLang="zh-CN" dirty="0"/>
+              <a:t>It only includes the identification </a:t>
+            </a:r>
+          </a:p>
+          <a:p>
+            <a:r>
+              <a:rPr lang="en-US" altLang="zh-CN" dirty="0"/>
+              <a:t>and feedback of four basic types of errors.</a:t>
+            </a:r>
+            <a:endParaRPr lang="zh-CN" altLang="en-US" dirty="0"/>
           </a:p>
         </p:txBody>
       </p:sp>
@@ -28038,105 +28129,6 @@
           </a:graphicData>
         </a:graphic>
       </p:graphicFrame>
-      <p:sp>
-        <p:nvSpPr>
-          <p:cNvPr id="28" name="object 46">
-            <a:extLst>
-              <a:ext uri="{FF2B5EF4-FFF2-40B4-BE49-F238E27FC236}">
-                <a16:creationId xmlns:a16="http://schemas.microsoft.com/office/drawing/2014/main" id="{AE99BC3C-CB40-FFD8-AC01-784CBAA70A77}"/>
-              </a:ext>
-            </a:extLst>
-          </p:cNvPr>
-          <p:cNvSpPr txBox="1"/>
-          <p:nvPr/>
-        </p:nvSpPr>
-        <p:spPr>
-          <a:xfrm>
-            <a:off x="78738" y="6248400"/>
-            <a:ext cx="2588261" cy="182101"/>
-          </a:xfrm>
-          <a:prstGeom prst="rect">
-            <a:avLst/>
-          </a:prstGeom>
-        </p:spPr>
-        <p:txBody>
-          <a:bodyPr vert="horz" wrap="square" lIns="0" tIns="12700" rIns="0" bIns="0" rtlCol="0">
-            <a:spAutoFit/>
-          </a:bodyPr>
-          <a:lstStyle/>
-          <a:p>
-            <a:pPr marL="12700">
-              <a:spcBef>
-                <a:spcPts val="100"/>
-              </a:spcBef>
-            </a:pPr>
-            <a:r>
-              <a:rPr sz="1100" i="1" dirty="0">
-                <a:solidFill>
-                  <a:srgbClr val="767070"/>
-                </a:solidFill>
-                <a:latin typeface="Calibri"/>
-                <a:cs typeface="Calibri"/>
-              </a:rPr>
-              <a:t>Source:</a:t>
-            </a:r>
-            <a:r>
-              <a:rPr sz="1100" i="1" spc="-30" dirty="0">
-                <a:solidFill>
-                  <a:srgbClr val="767070"/>
-                </a:solidFill>
-                <a:latin typeface="Calibri"/>
-                <a:cs typeface="Calibri"/>
-              </a:rPr>
-              <a:t> </a:t>
-            </a:r>
-            <a:r>
-              <a:rPr sz="1100" i="1" dirty="0">
-                <a:solidFill>
-                  <a:srgbClr val="767070"/>
-                </a:solidFill>
-                <a:latin typeface="Calibri"/>
-                <a:cs typeface="Calibri"/>
-              </a:rPr>
-              <a:t>Team</a:t>
-            </a:r>
-            <a:r>
-              <a:rPr sz="1100" i="1" spc="-25" dirty="0">
-                <a:solidFill>
-                  <a:srgbClr val="767070"/>
-                </a:solidFill>
-                <a:latin typeface="Calibri"/>
-                <a:cs typeface="Calibri"/>
-              </a:rPr>
-              <a:t> </a:t>
-            </a:r>
-            <a:r>
-              <a:rPr sz="1100" i="1" spc="-10" dirty="0">
-                <a:solidFill>
-                  <a:srgbClr val="767070"/>
-                </a:solidFill>
-                <a:latin typeface="Calibri"/>
-                <a:cs typeface="Calibri"/>
-              </a:rPr>
-              <a:t>Analysis</a:t>
-            </a:r>
-            <a:r>
-              <a:rPr lang="en-US" sz="1100" i="1" spc="-10" dirty="0">
-                <a:solidFill>
-                  <a:srgbClr val="767070"/>
-                </a:solidFill>
-                <a:latin typeface="Calibri"/>
-                <a:cs typeface="Calibri"/>
-              </a:rPr>
-              <a:t>, Bloomberg</a:t>
-            </a:r>
-            <a:endParaRPr sz="1100" dirty="0">
-              <a:latin typeface="Calibri"/>
-              <a:cs typeface="Calibri"/>
-            </a:endParaRPr>
-          </a:p>
-        </p:txBody>
-      </p:sp>
       <p:sp>
         <p:nvSpPr>
           <p:cNvPr id="4" name="文本框 3">
